--- a/presentation/MANOBAL PPT.pptx
+++ b/presentation/MANOBAL PPT.pptx
@@ -270,7 +270,7 @@
           <a:p>
             <a:fld id="{A3888634-FBA9-41D6-8B35-EE3A7D816B7C}" type="datetimeFigureOut">
               <a:rPr lang="en-US" smtClean="0"/>
-              <a:t>3/28/2025</a:t>
+              <a:t>5/24/2025</a:t>
             </a:fld>
             <a:endParaRPr lang="en-US" dirty="0"/>
           </a:p>
@@ -447,7 +447,7 @@
           <a:p>
             <a:fld id="{5EA28068-AFBD-4979-B752-9EB6F90B1386}" type="datetimeFigureOut">
               <a:rPr lang="en-US" smtClean="0"/>
-              <a:t>3/28/2025</a:t>
+              <a:t>5/24/2025</a:t>
             </a:fld>
             <a:endParaRPr lang="en-US" dirty="0"/>
           </a:p>
@@ -12594,7 +12594,7 @@
             </a:pPr>
             <a:r>
               <a:rPr lang="en-US" dirty="0"/>
-              <a:t>Research Paper is complete.</a:t>
+              <a:t>Research Paper is complete &amp; Published..</a:t>
             </a:r>
           </a:p>
           <a:p>
@@ -16511,6 +16511,15 @@
 </file>
 
 <file path=customXml/item1.xml><?xml version="1.0" encoding="utf-8"?>
+<?mso-contentType ?>
+<FormTemplates xmlns="http://schemas.microsoft.com/sharepoint/v3/contenttype/forms">
+  <Display>DocumentLibraryForm</Display>
+  <Edit>DocumentLibraryForm</Edit>
+  <New>DocumentLibraryForm</New>
+</FormTemplates>
+</file>
+
+<file path=customXml/item2.xml><?xml version="1.0" encoding="utf-8"?>
 <p:properties xmlns:p="http://schemas.microsoft.com/office/2006/metadata/properties" xmlns:xsi="http://www.w3.org/2001/XMLSchema-instance" xmlns:pc="http://schemas.microsoft.com/office/infopath/2007/PartnerControls">
   <documentManagement>
     <_ip_UnifiedCompliancePolicyUIAction xmlns="http://schemas.microsoft.com/sharepoint/v3" xsi:nil="true"/>
@@ -16528,15 +16537,6 @@
     <MediaServiceKeyPoints xmlns="71af3243-3dd4-4a8d-8c0d-dd76da1f02a5" xsi:nil="true"/>
   </documentManagement>
 </p:properties>
-</file>
-
-<file path=customXml/item2.xml><?xml version="1.0" encoding="utf-8"?>
-<?mso-contentType ?>
-<FormTemplates xmlns="http://schemas.microsoft.com/sharepoint/v3/contenttype/forms">
-  <Display>DocumentLibraryForm</Display>
-  <Edit>DocumentLibraryForm</Edit>
-  <New>DocumentLibraryForm</New>
-</FormTemplates>
 </file>
 
 <file path=customXml/item3.xml><?xml version="1.0" encoding="utf-8"?>
@@ -16852,6 +16852,14 @@
 </file>
 
 <file path=customXml/itemProps1.xml><?xml version="1.0" encoding="utf-8"?>
+<ds:datastoreItem xmlns:ds="http://schemas.openxmlformats.org/officeDocument/2006/customXml" ds:itemID="{FABD9919-8F5A-4B99-83E1-E90FE1DCF2E1}">
+  <ds:schemaRefs>
+    <ds:schemaRef ds:uri="http://schemas.microsoft.com/sharepoint/v3/contenttype/forms"/>
+  </ds:schemaRefs>
+</ds:datastoreItem>
+</file>
+
+<file path=customXml/itemProps2.xml><?xml version="1.0" encoding="utf-8"?>
 <ds:datastoreItem xmlns:ds="http://schemas.openxmlformats.org/officeDocument/2006/customXml" ds:itemID="{80E87F72-70BF-43BC-A0D4-53665DC12672}">
   <ds:schemaRefs>
     <ds:schemaRef ds:uri="http://schemas.microsoft.com/office/2006/metadata/properties"/>
@@ -16859,14 +16867,6 @@
     <ds:schemaRef ds:uri="http://schemas.microsoft.com/sharepoint/v3"/>
     <ds:schemaRef ds:uri="71af3243-3dd4-4a8d-8c0d-dd76da1f02a5"/>
     <ds:schemaRef ds:uri="230e9df3-be65-4c73-a93b-d1236ebd677e"/>
-  </ds:schemaRefs>
-</ds:datastoreItem>
-</file>
-
-<file path=customXml/itemProps2.xml><?xml version="1.0" encoding="utf-8"?>
-<ds:datastoreItem xmlns:ds="http://schemas.openxmlformats.org/officeDocument/2006/customXml" ds:itemID="{FABD9919-8F5A-4B99-83E1-E90FE1DCF2E1}">
-  <ds:schemaRefs>
-    <ds:schemaRef ds:uri="http://schemas.microsoft.com/sharepoint/v3/contenttype/forms"/>
   </ds:schemaRefs>
 </ds:datastoreItem>
 </file>
